--- a/Project PPT/Restaurant Finder & Diet Planner.pptx
+++ b/Project PPT/Restaurant Finder & Diet Planner.pptx
@@ -11,9 +11,7 @@
     <p:sldId id="258" r:id="rId5"/>
     <p:sldId id="259" r:id="rId6"/>
     <p:sldId id="261" r:id="rId7"/>
-    <p:sldId id="262" r:id="rId8"/>
-    <p:sldId id="263" r:id="rId9"/>
-    <p:sldId id="260" r:id="rId10"/>
+    <p:sldId id="260" r:id="rId8"/>
   </p:sldIdLst>
   <p:sldSz cx="12192000" cy="6858000"/>
   <p:notesSz cx="6858000" cy="9144000"/>
@@ -112,6 +110,11 @@
       </a:defRPr>
     </a:lvl9pPr>
   </p:defaultTextStyle>
+  <p:extLst>
+    <p:ext uri="{EFAFB233-063F-42B5-8137-9DF3F51BA10A}">
+      <p15:sldGuideLst xmlns:p15="http://schemas.microsoft.com/office/powerpoint/2012/main"/>
+    </p:ext>
+  </p:extLst>
 </p:presentation>
 </file>
 
@@ -257,7 +260,7 @@
           <a:p>
             <a:fld id="{642E7F12-0552-4435-9BC6-D80358B4BC70}" type="datetimeFigureOut">
               <a:rPr lang="en-US" smtClean="0"/>
-              <a:t>5/2/2016</a:t>
+              <a:t>5/5/2016</a:t>
             </a:fld>
             <a:endParaRPr lang="en-US"/>
           </a:p>
@@ -427,7 +430,7 @@
           <a:p>
             <a:fld id="{642E7F12-0552-4435-9BC6-D80358B4BC70}" type="datetimeFigureOut">
               <a:rPr lang="en-US" smtClean="0"/>
-              <a:t>5/2/2016</a:t>
+              <a:t>5/5/2016</a:t>
             </a:fld>
             <a:endParaRPr lang="en-US"/>
           </a:p>
@@ -607,7 +610,7 @@
           <a:p>
             <a:fld id="{642E7F12-0552-4435-9BC6-D80358B4BC70}" type="datetimeFigureOut">
               <a:rPr lang="en-US" smtClean="0"/>
-              <a:t>5/2/2016</a:t>
+              <a:t>5/5/2016</a:t>
             </a:fld>
             <a:endParaRPr lang="en-US"/>
           </a:p>
@@ -1390,7 +1393,7 @@
           <a:p>
             <a:fld id="{642E7F12-0552-4435-9BC6-D80358B4BC70}" type="datetimeFigureOut">
               <a:rPr lang="en-US" smtClean="0"/>
-              <a:t>5/2/2016</a:t>
+              <a:t>5/5/2016</a:t>
             </a:fld>
             <a:endParaRPr lang="en-US"/>
           </a:p>
@@ -1566,7 +1569,7 @@
           <a:p>
             <a:fld id="{642E7F12-0552-4435-9BC6-D80358B4BC70}" type="datetimeFigureOut">
               <a:rPr lang="en-US" smtClean="0"/>
-              <a:t>5/2/2016</a:t>
+              <a:t>5/5/2016</a:t>
             </a:fld>
             <a:endParaRPr lang="en-US"/>
           </a:p>
@@ -1813,7 +1816,7 @@
           <a:p>
             <a:fld id="{642E7F12-0552-4435-9BC6-D80358B4BC70}" type="datetimeFigureOut">
               <a:rPr lang="en-US" smtClean="0"/>
-              <a:t>5/2/2016</a:t>
+              <a:t>5/5/2016</a:t>
             </a:fld>
             <a:endParaRPr lang="en-US"/>
           </a:p>
@@ -2045,7 +2048,7 @@
           <a:p>
             <a:fld id="{642E7F12-0552-4435-9BC6-D80358B4BC70}" type="datetimeFigureOut">
               <a:rPr lang="en-US" smtClean="0"/>
-              <a:t>5/2/2016</a:t>
+              <a:t>5/5/2016</a:t>
             </a:fld>
             <a:endParaRPr lang="en-US"/>
           </a:p>
@@ -2419,7 +2422,7 @@
           <a:p>
             <a:fld id="{642E7F12-0552-4435-9BC6-D80358B4BC70}" type="datetimeFigureOut">
               <a:rPr lang="en-US" smtClean="0"/>
-              <a:t>5/2/2016</a:t>
+              <a:t>5/5/2016</a:t>
             </a:fld>
             <a:endParaRPr lang="en-US"/>
           </a:p>
@@ -2542,7 +2545,7 @@
           <a:p>
             <a:fld id="{642E7F12-0552-4435-9BC6-D80358B4BC70}" type="datetimeFigureOut">
               <a:rPr lang="en-US" smtClean="0"/>
-              <a:t>5/2/2016</a:t>
+              <a:t>5/5/2016</a:t>
             </a:fld>
             <a:endParaRPr lang="en-US"/>
           </a:p>
@@ -2637,7 +2640,7 @@
           <a:p>
             <a:fld id="{642E7F12-0552-4435-9BC6-D80358B4BC70}" type="datetimeFigureOut">
               <a:rPr lang="en-US" smtClean="0"/>
-              <a:t>5/2/2016</a:t>
+              <a:t>5/5/2016</a:t>
             </a:fld>
             <a:endParaRPr lang="en-US"/>
           </a:p>
@@ -2892,7 +2895,7 @@
           <a:p>
             <a:fld id="{642E7F12-0552-4435-9BC6-D80358B4BC70}" type="datetimeFigureOut">
               <a:rPr lang="en-US" smtClean="0"/>
-              <a:t>5/2/2016</a:t>
+              <a:t>5/5/2016</a:t>
             </a:fld>
             <a:endParaRPr lang="en-US"/>
           </a:p>
@@ -3062,7 +3065,7 @@
           <a:p>
             <a:fld id="{642E7F12-0552-4435-9BC6-D80358B4BC70}" type="datetimeFigureOut">
               <a:rPr lang="en-US" smtClean="0"/>
-              <a:t>5/2/2016</a:t>
+              <a:t>5/5/2016</a:t>
             </a:fld>
             <a:endParaRPr lang="en-US"/>
           </a:p>
@@ -3325,7 +3328,7 @@
           <a:p>
             <a:fld id="{642E7F12-0552-4435-9BC6-D80358B4BC70}" type="datetimeFigureOut">
               <a:rPr lang="en-US" smtClean="0"/>
-              <a:t>5/2/2016</a:t>
+              <a:t>5/5/2016</a:t>
             </a:fld>
             <a:endParaRPr lang="en-US"/>
           </a:p>
@@ -3576,7 +3579,7 @@
           <a:p>
             <a:fld id="{642E7F12-0552-4435-9BC6-D80358B4BC70}" type="datetimeFigureOut">
               <a:rPr lang="en-US" smtClean="0"/>
-              <a:t>5/2/2016</a:t>
+              <a:t>5/5/2016</a:t>
             </a:fld>
             <a:endParaRPr lang="en-US"/>
           </a:p>
@@ -3890,7 +3893,7 @@
           <a:p>
             <a:fld id="{642E7F12-0552-4435-9BC6-D80358B4BC70}" type="datetimeFigureOut">
               <a:rPr lang="en-US" smtClean="0"/>
-              <a:t>5/2/2016</a:t>
+              <a:t>5/5/2016</a:t>
             </a:fld>
             <a:endParaRPr lang="en-US"/>
           </a:p>
@@ -4231,7 +4234,7 @@
           <a:p>
             <a:fld id="{642E7F12-0552-4435-9BC6-D80358B4BC70}" type="datetimeFigureOut">
               <a:rPr lang="en-US" smtClean="0"/>
-              <a:t>5/2/2016</a:t>
+              <a:t>5/5/2016</a:t>
             </a:fld>
             <a:endParaRPr lang="en-US"/>
           </a:p>
@@ -4545,7 +4548,7 @@
           <a:p>
             <a:fld id="{642E7F12-0552-4435-9BC6-D80358B4BC70}" type="datetimeFigureOut">
               <a:rPr lang="en-US" smtClean="0"/>
-              <a:t>5/2/2016</a:t>
+              <a:t>5/5/2016</a:t>
             </a:fld>
             <a:endParaRPr lang="en-US"/>
           </a:p>
@@ -4938,7 +4941,7 @@
           <a:p>
             <a:fld id="{642E7F12-0552-4435-9BC6-D80358B4BC70}" type="datetimeFigureOut">
               <a:rPr lang="en-US" smtClean="0"/>
-              <a:t>5/2/2016</a:t>
+              <a:t>5/5/2016</a:t>
             </a:fld>
             <a:endParaRPr lang="en-US"/>
           </a:p>
@@ -5108,7 +5111,7 @@
           <a:p>
             <a:fld id="{642E7F12-0552-4435-9BC6-D80358B4BC70}" type="datetimeFigureOut">
               <a:rPr lang="en-US" smtClean="0"/>
-              <a:t>5/2/2016</a:t>
+              <a:t>5/5/2016</a:t>
             </a:fld>
             <a:endParaRPr lang="en-US"/>
           </a:p>
@@ -5288,7 +5291,7 @@
           <a:p>
             <a:fld id="{642E7F12-0552-4435-9BC6-D80358B4BC70}" type="datetimeFigureOut">
               <a:rPr lang="en-US" smtClean="0"/>
-              <a:t>5/2/2016</a:t>
+              <a:t>5/5/2016</a:t>
             </a:fld>
             <a:endParaRPr lang="en-US"/>
           </a:p>
@@ -5539,7 +5542,7 @@
           <a:p>
             <a:fld id="{642E7F12-0552-4435-9BC6-D80358B4BC70}" type="datetimeFigureOut">
               <a:rPr lang="en-US" smtClean="0"/>
-              <a:t>5/2/2016</a:t>
+              <a:t>5/5/2016</a:t>
             </a:fld>
             <a:endParaRPr lang="en-US"/>
           </a:p>
@@ -5771,7 +5774,7 @@
           <a:p>
             <a:fld id="{642E7F12-0552-4435-9BC6-D80358B4BC70}" type="datetimeFigureOut">
               <a:rPr lang="en-US" smtClean="0"/>
-              <a:t>5/2/2016</a:t>
+              <a:t>5/5/2016</a:t>
             </a:fld>
             <a:endParaRPr lang="en-US"/>
           </a:p>
@@ -6118,7 +6121,7 @@
           <a:p>
             <a:fld id="{642E7F12-0552-4435-9BC6-D80358B4BC70}" type="datetimeFigureOut">
               <a:rPr lang="en-US" smtClean="0"/>
-              <a:t>5/2/2016</a:t>
+              <a:t>5/5/2016</a:t>
             </a:fld>
             <a:endParaRPr lang="en-US"/>
           </a:p>
@@ -6236,7 +6239,7 @@
           <a:p>
             <a:fld id="{642E7F12-0552-4435-9BC6-D80358B4BC70}" type="datetimeFigureOut">
               <a:rPr lang="en-US" smtClean="0"/>
-              <a:t>5/2/2016</a:t>
+              <a:t>5/5/2016</a:t>
             </a:fld>
             <a:endParaRPr lang="en-US"/>
           </a:p>
@@ -6354,7 +6357,7 @@
           <a:p>
             <a:fld id="{642E7F12-0552-4435-9BC6-D80358B4BC70}" type="datetimeFigureOut">
               <a:rPr lang="en-US" smtClean="0"/>
-              <a:t>5/2/2016</a:t>
+              <a:t>5/5/2016</a:t>
             </a:fld>
             <a:endParaRPr lang="en-US"/>
           </a:p>
@@ -6638,7 +6641,7 @@
           <a:p>
             <a:fld id="{642E7F12-0552-4435-9BC6-D80358B4BC70}" type="datetimeFigureOut">
               <a:rPr lang="en-US" smtClean="0"/>
-              <a:t>5/2/2016</a:t>
+              <a:t>5/5/2016</a:t>
             </a:fld>
             <a:endParaRPr lang="en-US"/>
           </a:p>
@@ -6902,7 +6905,7 @@
           <a:p>
             <a:fld id="{642E7F12-0552-4435-9BC6-D80358B4BC70}" type="datetimeFigureOut">
               <a:rPr lang="en-US" smtClean="0"/>
-              <a:t>5/2/2016</a:t>
+              <a:t>5/5/2016</a:t>
             </a:fld>
             <a:endParaRPr lang="en-US"/>
           </a:p>
@@ -7116,7 +7119,7 @@
           <a:p>
             <a:fld id="{642E7F12-0552-4435-9BC6-D80358B4BC70}" type="datetimeFigureOut">
               <a:rPr lang="en-US" smtClean="0"/>
-              <a:t>5/2/2016</a:t>
+              <a:t>5/5/2016</a:t>
             </a:fld>
             <a:endParaRPr lang="en-US"/>
           </a:p>
@@ -8175,7 +8178,7 @@
           <a:p>
             <a:fld id="{642E7F12-0552-4435-9BC6-D80358B4BC70}" type="datetimeFigureOut">
               <a:rPr lang="en-US" smtClean="0"/>
-              <a:t>5/2/2016</a:t>
+              <a:t>5/5/2016</a:t>
             </a:fld>
             <a:endParaRPr lang="en-US"/>
           </a:p>
@@ -8765,6 +8768,16 @@
           <a:lstStyle/>
           <a:p>
             <a:r>
+              <a:rPr lang="en-US" sz="9600" dirty="0" err="1" smtClean="0">
+                <a:solidFill>
+                  <a:schemeClr val="tx1"/>
+                </a:solidFill>
+                <a:latin typeface="Times New Roman" panose="02020603050405020304" pitchFamily="18" charset="0"/>
+                <a:cs typeface="Times New Roman" panose="02020603050405020304" pitchFamily="18" charset="0"/>
+              </a:rPr>
+              <a:t>Katta</a:t>
+            </a:r>
+            <a:r>
               <a:rPr lang="en-US" sz="9600" dirty="0" smtClean="0">
                 <a:solidFill>
                   <a:schemeClr val="tx1"/>
@@ -8772,8 +8785,27 @@
                 <a:latin typeface="Times New Roman" panose="02020603050405020304" pitchFamily="18" charset="0"/>
                 <a:cs typeface="Times New Roman" panose="02020603050405020304" pitchFamily="18" charset="0"/>
               </a:rPr>
-              <a:t>Katta </a:t>
-            </a:r>
+              <a:t> </a:t>
+            </a:r>
+            <a:r>
+              <a:rPr lang="en-US" sz="9600" dirty="0" smtClean="0">
+                <a:solidFill>
+                  <a:schemeClr val="tx1"/>
+                </a:solidFill>
+                <a:latin typeface="Times New Roman" panose="02020603050405020304" pitchFamily="18" charset="0"/>
+                <a:cs typeface="Times New Roman" panose="02020603050405020304" pitchFamily="18" charset="0"/>
+              </a:rPr>
+              <a:t>Nikitha-22 </a:t>
+            </a:r>
+            <a:endParaRPr lang="en-US" sz="9600" dirty="0">
+              <a:solidFill>
+                <a:schemeClr val="tx1"/>
+              </a:solidFill>
+              <a:latin typeface="Times New Roman" panose="02020603050405020304" pitchFamily="18" charset="0"/>
+              <a:cs typeface="Times New Roman" panose="02020603050405020304" pitchFamily="18" charset="0"/>
+            </a:endParaRPr>
+          </a:p>
+          <a:p>
             <a:r>
               <a:rPr lang="en-US" sz="9600" dirty="0">
                 <a:solidFill>
@@ -8782,19 +8814,17 @@
                 <a:latin typeface="Times New Roman" panose="02020603050405020304" pitchFamily="18" charset="0"/>
                 <a:cs typeface="Times New Roman" panose="02020603050405020304" pitchFamily="18" charset="0"/>
               </a:rPr>
-              <a:t>Nikitha </a:t>
-            </a:r>
-          </a:p>
-          <a:p>
-            <a:r>
-              <a:rPr lang="en-US" sz="9600" dirty="0">
+              <a:t>Dandamudi Naga </a:t>
+            </a:r>
+            <a:r>
+              <a:rPr lang="en-US" sz="9600" dirty="0" smtClean="0">
                 <a:solidFill>
                   <a:schemeClr val="tx1"/>
                 </a:solidFill>
                 <a:latin typeface="Times New Roman" panose="02020603050405020304" pitchFamily="18" charset="0"/>
                 <a:cs typeface="Times New Roman" panose="02020603050405020304" pitchFamily="18" charset="0"/>
               </a:rPr>
-              <a:t>Dandamudi Naga Mounika </a:t>
+              <a:t>Mounika-9 </a:t>
             </a:r>
             <a:endParaRPr lang="en-US" sz="9600" dirty="0" smtClean="0">
               <a:solidFill>
@@ -8816,15 +8846,42 @@
               <a:t>Goli </a:t>
             </a:r>
             <a:r>
-              <a:rPr lang="en-US" sz="9600" dirty="0">
+              <a:rPr lang="en-US" sz="9600" dirty="0" err="1">
                 <a:solidFill>
                   <a:schemeClr val="tx1"/>
                 </a:solidFill>
                 <a:latin typeface="Times New Roman" panose="02020603050405020304" pitchFamily="18" charset="0"/>
                 <a:cs typeface="Times New Roman" panose="02020603050405020304" pitchFamily="18" charset="0"/>
               </a:rPr>
-              <a:t>Venkata Govardhan</a:t>
-            </a:r>
+              <a:t>Venkata</a:t>
+            </a:r>
+            <a:r>
+              <a:rPr lang="en-US" sz="9600">
+                <a:solidFill>
+                  <a:schemeClr val="tx1"/>
+                </a:solidFill>
+                <a:latin typeface="Times New Roman" panose="02020603050405020304" pitchFamily="18" charset="0"/>
+                <a:cs typeface="Times New Roman" panose="02020603050405020304" pitchFamily="18" charset="0"/>
+              </a:rPr>
+              <a:t> </a:t>
+            </a:r>
+            <a:r>
+              <a:rPr lang="en-US" sz="9600" smtClean="0">
+                <a:solidFill>
+                  <a:schemeClr val="tx1"/>
+                </a:solidFill>
+                <a:latin typeface="Times New Roman" panose="02020603050405020304" pitchFamily="18" charset="0"/>
+                <a:cs typeface="Times New Roman" panose="02020603050405020304" pitchFamily="18" charset="0"/>
+              </a:rPr>
+              <a:t>Govardhan-14</a:t>
+            </a:r>
+            <a:endParaRPr lang="en-US" sz="9600" dirty="0">
+              <a:solidFill>
+                <a:schemeClr val="tx1"/>
+              </a:solidFill>
+              <a:latin typeface="Times New Roman" panose="02020603050405020304" pitchFamily="18" charset="0"/>
+              <a:cs typeface="Times New Roman" panose="02020603050405020304" pitchFamily="18" charset="0"/>
+            </a:endParaRPr>
           </a:p>
           <a:p>
             <a:r>
@@ -9409,33 +9466,6 @@
               <a:latin typeface="Times New Roman" panose="02020603050405020304" pitchFamily="18" charset="0"/>
               <a:cs typeface="Times New Roman" panose="02020603050405020304" pitchFamily="18" charset="0"/>
             </a:endParaRPr>
-          </a:p>
-        </p:txBody>
-      </p:sp>
-      <p:sp>
-        <p:nvSpPr>
-          <p:cNvPr id="3" name="Content Placeholder 2"/>
-          <p:cNvSpPr>
-            <a:spLocks noGrp="1"/>
-          </p:cNvSpPr>
-          <p:nvPr>
-            <p:ph idx="1"/>
-          </p:nvPr>
-        </p:nvSpPr>
-        <p:spPr>
-          <a:xfrm>
-            <a:off x="677334" y="1466491"/>
-            <a:ext cx="8596668" cy="4574871"/>
-          </a:xfrm>
-        </p:spPr>
-        <p:txBody>
-          <a:bodyPr/>
-          <a:lstStyle/>
-          <a:p>
-            <a:pPr marL="0" indent="0">
-              <a:buNone/>
-            </a:pPr>
-            <a:endParaRPr lang="en-US" dirty="0"/>
           </a:p>
         </p:txBody>
       </p:sp>
@@ -9999,6 +10029,64 @@
           </a:p>
         </p:txBody>
       </p:sp>
+      <p:cxnSp>
+        <p:nvCxnSpPr>
+          <p:cNvPr id="13" name="Elbow Connector 12"/>
+          <p:cNvCxnSpPr>
+            <a:stCxn id="36" idx="3"/>
+            <a:endCxn id="4" idx="1"/>
+          </p:cNvCxnSpPr>
+          <p:nvPr/>
+        </p:nvCxnSpPr>
+        <p:spPr>
+          <a:xfrm flipV="1">
+            <a:off x="2616344" y="3467819"/>
+            <a:ext cx="842848" cy="870548"/>
+          </a:xfrm>
+          <a:prstGeom prst="bentConnector3">
+            <a:avLst/>
+          </a:prstGeom>
+          <a:ln>
+            <a:solidFill>
+              <a:schemeClr val="tx1"/>
+            </a:solidFill>
+            <a:tailEnd type="triangle"/>
+          </a:ln>
+        </p:spPr>
+        <p:style>
+          <a:lnRef idx="1">
+            <a:schemeClr val="accent1"/>
+          </a:lnRef>
+          <a:fillRef idx="0">
+            <a:schemeClr val="accent1"/>
+          </a:fillRef>
+          <a:effectRef idx="0">
+            <a:schemeClr val="accent1"/>
+          </a:effectRef>
+          <a:fontRef idx="minor">
+            <a:schemeClr val="tx1"/>
+          </a:fontRef>
+        </p:style>
+      </p:cxnSp>
+      <p:sp>
+        <p:nvSpPr>
+          <p:cNvPr id="16" name="Content Placeholder 15"/>
+          <p:cNvSpPr>
+            <a:spLocks noGrp="1"/>
+          </p:cNvSpPr>
+          <p:nvPr>
+            <p:ph idx="1"/>
+          </p:nvPr>
+        </p:nvSpPr>
+        <p:spPr/>
+        <p:txBody>
+          <a:bodyPr/>
+          <a:lstStyle/>
+          <a:p>
+            <a:endParaRPr lang="en-US"/>
+          </a:p>
+        </p:txBody>
+      </p:sp>
     </p:spTree>
     <p:extLst>
       <p:ext uri="{BB962C8B-B14F-4D97-AF65-F5344CB8AC3E}">
@@ -10078,33 +10166,155 @@
           </a:p>
         </p:txBody>
       </p:sp>
-      <p:sp>
-        <p:nvSpPr>
-          <p:cNvPr id="3" name="Content Placeholder 2"/>
-          <p:cNvSpPr>
-            <a:spLocks noGrp="1"/>
-          </p:cNvSpPr>
+      <p:pic>
+        <p:nvPicPr>
+          <p:cNvPr id="4" name="Content Placeholder 3"/>
+          <p:cNvPicPr>
+            <a:picLocks noGrp="1" noChangeAspect="1"/>
+          </p:cNvPicPr>
           <p:nvPr>
             <p:ph idx="1"/>
           </p:nvPr>
-        </p:nvSpPr>
+        </p:nvPicPr>
+        <p:blipFill>
+          <a:blip r:embed="rId2" cstate="print">
+            <a:extLst>
+              <a:ext uri="{28A0092B-C50C-407E-A947-70E740481C1C}">
+                <a14:useLocalDpi xmlns:a14="http://schemas.microsoft.com/office/drawing/2010/main" val="0"/>
+              </a:ext>
+            </a:extLst>
+          </a:blip>
+          <a:stretch>
+            <a:fillRect/>
+          </a:stretch>
+        </p:blipFill>
         <p:spPr>
           <a:xfrm>
-            <a:off x="677334" y="1509623"/>
-            <a:ext cx="8596668" cy="4666890"/>
+            <a:off x="1418449" y="1419559"/>
+            <a:ext cx="1353074" cy="2405465"/>
           </a:xfrm>
         </p:spPr>
-        <p:txBody>
-          <a:bodyPr/>
-          <a:lstStyle/>
-          <a:p>
-            <a:pPr marL="0" indent="0">
-              <a:buNone/>
-            </a:pPr>
-            <a:endParaRPr lang="en-US" dirty="0"/>
-          </a:p>
-        </p:txBody>
-      </p:sp>
+      </p:pic>
+      <p:pic>
+        <p:nvPicPr>
+          <p:cNvPr id="5" name="Picture 4"/>
+          <p:cNvPicPr>
+            <a:picLocks noChangeAspect="1"/>
+          </p:cNvPicPr>
+          <p:nvPr/>
+        </p:nvPicPr>
+        <p:blipFill>
+          <a:blip r:embed="rId3" cstate="print">
+            <a:extLst>
+              <a:ext uri="{28A0092B-C50C-407E-A947-70E740481C1C}">
+                <a14:useLocalDpi xmlns:a14="http://schemas.microsoft.com/office/drawing/2010/main" val="0"/>
+              </a:ext>
+            </a:extLst>
+          </a:blip>
+          <a:stretch>
+            <a:fillRect/>
+          </a:stretch>
+        </p:blipFill>
+        <p:spPr>
+          <a:xfrm>
+            <a:off x="3994366" y="1419557"/>
+            <a:ext cx="1436607" cy="2405467"/>
+          </a:xfrm>
+          <a:prstGeom prst="rect">
+            <a:avLst/>
+          </a:prstGeom>
+        </p:spPr>
+      </p:pic>
+      <p:pic>
+        <p:nvPicPr>
+          <p:cNvPr id="9" name="Picture 8"/>
+          <p:cNvPicPr>
+            <a:picLocks noChangeAspect="1"/>
+          </p:cNvPicPr>
+          <p:nvPr/>
+        </p:nvPicPr>
+        <p:blipFill>
+          <a:blip r:embed="rId4" cstate="print">
+            <a:extLst>
+              <a:ext uri="{28A0092B-C50C-407E-A947-70E740481C1C}">
+                <a14:useLocalDpi xmlns:a14="http://schemas.microsoft.com/office/drawing/2010/main" val="0"/>
+              </a:ext>
+            </a:extLst>
+          </a:blip>
+          <a:stretch>
+            <a:fillRect/>
+          </a:stretch>
+        </p:blipFill>
+        <p:spPr>
+          <a:xfrm>
+            <a:off x="6523585" y="1419557"/>
+            <a:ext cx="1460939" cy="2405467"/>
+          </a:xfrm>
+          <a:prstGeom prst="rect">
+            <a:avLst/>
+          </a:prstGeom>
+        </p:spPr>
+      </p:pic>
+      <p:pic>
+        <p:nvPicPr>
+          <p:cNvPr id="10" name="Picture 9"/>
+          <p:cNvPicPr>
+            <a:picLocks noChangeAspect="1"/>
+          </p:cNvPicPr>
+          <p:nvPr/>
+        </p:nvPicPr>
+        <p:blipFill>
+          <a:blip r:embed="rId5" cstate="print">
+            <a:extLst>
+              <a:ext uri="{28A0092B-C50C-407E-A947-70E740481C1C}">
+                <a14:useLocalDpi xmlns:a14="http://schemas.microsoft.com/office/drawing/2010/main" val="0"/>
+              </a:ext>
+            </a:extLst>
+          </a:blip>
+          <a:stretch>
+            <a:fillRect/>
+          </a:stretch>
+        </p:blipFill>
+        <p:spPr>
+          <a:xfrm>
+            <a:off x="5430973" y="3993038"/>
+            <a:ext cx="1411243" cy="2508877"/>
+          </a:xfrm>
+          <a:prstGeom prst="rect">
+            <a:avLst/>
+          </a:prstGeom>
+        </p:spPr>
+      </p:pic>
+      <p:pic>
+        <p:nvPicPr>
+          <p:cNvPr id="11" name="Picture 10"/>
+          <p:cNvPicPr>
+            <a:picLocks noChangeAspect="1"/>
+          </p:cNvPicPr>
+          <p:nvPr/>
+        </p:nvPicPr>
+        <p:blipFill>
+          <a:blip r:embed="rId6" cstate="print">
+            <a:extLst>
+              <a:ext uri="{28A0092B-C50C-407E-A947-70E740481C1C}">
+                <a14:useLocalDpi xmlns:a14="http://schemas.microsoft.com/office/drawing/2010/main" val="0"/>
+              </a:ext>
+            </a:extLst>
+          </a:blip>
+          <a:stretch>
+            <a:fillRect/>
+          </a:stretch>
+        </p:blipFill>
+        <p:spPr>
+          <a:xfrm>
+            <a:off x="2530806" y="3993037"/>
+            <a:ext cx="1326524" cy="2508877"/>
+          </a:xfrm>
+          <a:prstGeom prst="rect">
+            <a:avLst/>
+          </a:prstGeom>
+        </p:spPr>
+      </p:pic>
     </p:spTree>
     <p:extLst>
       <p:ext uri="{BB962C8B-B14F-4D97-AF65-F5344CB8AC3E}">
@@ -10126,251 +10336,6 @@
 </file>
 
 <file path=ppt/slides/slide6.xml><?xml version="1.0" encoding="utf-8"?>
-<p:sld xmlns:a="http://schemas.openxmlformats.org/drawingml/2006/main" xmlns:r="http://schemas.openxmlformats.org/officeDocument/2006/relationships" xmlns:p="http://schemas.openxmlformats.org/presentationml/2006/main">
-  <p:cSld>
-    <p:spTree>
-      <p:nvGrpSpPr>
-        <p:cNvPr id="1" name=""/>
-        <p:cNvGrpSpPr/>
-        <p:nvPr/>
-      </p:nvGrpSpPr>
-      <p:grpSpPr>
-        <a:xfrm>
-          <a:off x="0" y="0"/>
-          <a:ext cx="0" cy="0"/>
-          <a:chOff x="0" y="0"/>
-          <a:chExt cx="0" cy="0"/>
-        </a:xfrm>
-      </p:grpSpPr>
-      <p:sp>
-        <p:nvSpPr>
-          <p:cNvPr id="2" name="Title 1"/>
-          <p:cNvSpPr>
-            <a:spLocks noGrp="1"/>
-          </p:cNvSpPr>
-          <p:nvPr>
-            <p:ph type="title"/>
-          </p:nvPr>
-        </p:nvSpPr>
-        <p:spPr>
-          <a:xfrm>
-            <a:off x="677334" y="609600"/>
-            <a:ext cx="8596668" cy="960408"/>
-          </a:xfrm>
-        </p:spPr>
-        <p:txBody>
-          <a:bodyPr>
-            <a:normAutofit/>
-          </a:bodyPr>
-          <a:lstStyle/>
-          <a:p>
-            <a:r>
-              <a:rPr lang="en-US" sz="4400" dirty="0" smtClean="0">
-                <a:solidFill>
-                  <a:schemeClr val="tx1"/>
-                </a:solidFill>
-                <a:latin typeface="Times New Roman" panose="02020603050405020304" pitchFamily="18" charset="0"/>
-                <a:cs typeface="Times New Roman" panose="02020603050405020304" pitchFamily="18" charset="0"/>
-              </a:rPr>
-              <a:t>Screen Shots</a:t>
-            </a:r>
-            <a:endParaRPr lang="en-US" sz="4400" dirty="0">
-              <a:solidFill>
-                <a:schemeClr val="tx1"/>
-              </a:solidFill>
-              <a:latin typeface="Times New Roman" panose="02020603050405020304" pitchFamily="18" charset="0"/>
-              <a:cs typeface="Times New Roman" panose="02020603050405020304" pitchFamily="18" charset="0"/>
-            </a:endParaRPr>
-          </a:p>
-        </p:txBody>
-      </p:sp>
-      <p:sp>
-        <p:nvSpPr>
-          <p:cNvPr id="3" name="Content Placeholder 2"/>
-          <p:cNvSpPr>
-            <a:spLocks noGrp="1"/>
-          </p:cNvSpPr>
-          <p:nvPr>
-            <p:ph idx="1"/>
-          </p:nvPr>
-        </p:nvSpPr>
-        <p:spPr>
-          <a:xfrm>
-            <a:off x="677334" y="1509623"/>
-            <a:ext cx="8596668" cy="4666890"/>
-          </a:xfrm>
-        </p:spPr>
-        <p:txBody>
-          <a:bodyPr/>
-          <a:lstStyle/>
-          <a:p>
-            <a:pPr marL="0" indent="0">
-              <a:buNone/>
-            </a:pPr>
-            <a:r>
-              <a:rPr lang="en-US" dirty="0" smtClean="0">
-                <a:latin typeface="Times New Roman" panose="02020603050405020304" pitchFamily="18" charset="0"/>
-                <a:cs typeface="Times New Roman" panose="02020603050405020304" pitchFamily="18" charset="0"/>
-              </a:rPr>
-              <a:t>Restaurant Finder:</a:t>
-            </a:r>
-          </a:p>
-          <a:p>
-            <a:pPr marL="0" indent="0">
-              <a:buNone/>
-            </a:pPr>
-            <a:endParaRPr lang="en-US" dirty="0"/>
-          </a:p>
-        </p:txBody>
-      </p:sp>
-    </p:spTree>
-    <p:extLst>
-      <p:ext uri="{BB962C8B-B14F-4D97-AF65-F5344CB8AC3E}">
-        <p14:creationId xmlns:p14="http://schemas.microsoft.com/office/powerpoint/2010/main" val="393081637"/>
-      </p:ext>
-    </p:extLst>
-  </p:cSld>
-  <p:clrMapOvr>
-    <a:masterClrMapping/>
-  </p:clrMapOvr>
-  <p:timing>
-    <p:tnLst>
-      <p:par>
-        <p:cTn id="1" dur="indefinite" restart="never" nodeType="tmRoot"/>
-      </p:par>
-    </p:tnLst>
-  </p:timing>
-</p:sld>
-</file>
-
-<file path=ppt/slides/slide7.xml><?xml version="1.0" encoding="utf-8"?>
-<p:sld xmlns:a="http://schemas.openxmlformats.org/drawingml/2006/main" xmlns:r="http://schemas.openxmlformats.org/officeDocument/2006/relationships" xmlns:p="http://schemas.openxmlformats.org/presentationml/2006/main">
-  <p:cSld>
-    <p:spTree>
-      <p:nvGrpSpPr>
-        <p:cNvPr id="1" name=""/>
-        <p:cNvGrpSpPr/>
-        <p:nvPr/>
-      </p:nvGrpSpPr>
-      <p:grpSpPr>
-        <a:xfrm>
-          <a:off x="0" y="0"/>
-          <a:ext cx="0" cy="0"/>
-          <a:chOff x="0" y="0"/>
-          <a:chExt cx="0" cy="0"/>
-        </a:xfrm>
-      </p:grpSpPr>
-      <p:sp>
-        <p:nvSpPr>
-          <p:cNvPr id="2" name="Title 1"/>
-          <p:cNvSpPr>
-            <a:spLocks noGrp="1"/>
-          </p:cNvSpPr>
-          <p:nvPr>
-            <p:ph type="title"/>
-          </p:nvPr>
-        </p:nvSpPr>
-        <p:spPr>
-          <a:xfrm>
-            <a:off x="677334" y="609600"/>
-            <a:ext cx="8596668" cy="960408"/>
-          </a:xfrm>
-        </p:spPr>
-        <p:txBody>
-          <a:bodyPr>
-            <a:normAutofit/>
-          </a:bodyPr>
-          <a:lstStyle/>
-          <a:p>
-            <a:r>
-              <a:rPr lang="en-US" sz="4400" dirty="0" smtClean="0">
-                <a:solidFill>
-                  <a:schemeClr val="tx1"/>
-                </a:solidFill>
-                <a:latin typeface="Times New Roman" panose="02020603050405020304" pitchFamily="18" charset="0"/>
-                <a:cs typeface="Times New Roman" panose="02020603050405020304" pitchFamily="18" charset="0"/>
-              </a:rPr>
-              <a:t>Screen Shots</a:t>
-            </a:r>
-            <a:endParaRPr lang="en-US" sz="4400" dirty="0">
-              <a:solidFill>
-                <a:schemeClr val="tx1"/>
-              </a:solidFill>
-              <a:latin typeface="Times New Roman" panose="02020603050405020304" pitchFamily="18" charset="0"/>
-              <a:cs typeface="Times New Roman" panose="02020603050405020304" pitchFamily="18" charset="0"/>
-            </a:endParaRPr>
-          </a:p>
-        </p:txBody>
-      </p:sp>
-      <p:sp>
-        <p:nvSpPr>
-          <p:cNvPr id="3" name="Content Placeholder 2"/>
-          <p:cNvSpPr>
-            <a:spLocks noGrp="1"/>
-          </p:cNvSpPr>
-          <p:nvPr>
-            <p:ph idx="1"/>
-          </p:nvPr>
-        </p:nvSpPr>
-        <p:spPr>
-          <a:xfrm>
-            <a:off x="677334" y="1509623"/>
-            <a:ext cx="8596668" cy="4666890"/>
-          </a:xfrm>
-        </p:spPr>
-        <p:txBody>
-          <a:bodyPr>
-            <a:normAutofit/>
-          </a:bodyPr>
-          <a:lstStyle/>
-          <a:p>
-            <a:pPr marL="0" indent="0">
-              <a:buNone/>
-            </a:pPr>
-            <a:r>
-              <a:rPr lang="en-US" sz="1600" dirty="0" smtClean="0">
-                <a:latin typeface="Times New Roman" panose="02020603050405020304" pitchFamily="18" charset="0"/>
-                <a:cs typeface="Times New Roman" panose="02020603050405020304" pitchFamily="18" charset="0"/>
-              </a:rPr>
-              <a:t>Diet Planner:</a:t>
-            </a:r>
-            <a:endParaRPr lang="en-US" sz="1600" dirty="0">
-              <a:latin typeface="Times New Roman" panose="02020603050405020304" pitchFamily="18" charset="0"/>
-              <a:cs typeface="Times New Roman" panose="02020603050405020304" pitchFamily="18" charset="0"/>
-            </a:endParaRPr>
-          </a:p>
-          <a:p>
-            <a:pPr marL="0" indent="0">
-              <a:buNone/>
-            </a:pPr>
-            <a:endParaRPr lang="en-US" sz="1600" dirty="0">
-              <a:latin typeface="Times New Roman" panose="02020603050405020304" pitchFamily="18" charset="0"/>
-              <a:cs typeface="Times New Roman" panose="02020603050405020304" pitchFamily="18" charset="0"/>
-            </a:endParaRPr>
-          </a:p>
-        </p:txBody>
-      </p:sp>
-    </p:spTree>
-    <p:extLst>
-      <p:ext uri="{BB962C8B-B14F-4D97-AF65-F5344CB8AC3E}">
-        <p14:creationId xmlns:p14="http://schemas.microsoft.com/office/powerpoint/2010/main" val="3948136005"/>
-      </p:ext>
-    </p:extLst>
-  </p:cSld>
-  <p:clrMapOvr>
-    <a:masterClrMapping/>
-  </p:clrMapOvr>
-  <p:timing>
-    <p:tnLst>
-      <p:par>
-        <p:cTn id="1" dur="indefinite" restart="never" nodeType="tmRoot"/>
-      </p:par>
-    </p:tnLst>
-  </p:timing>
-</p:sld>
-</file>
-
-<file path=ppt/slides/slide8.xml><?xml version="1.0" encoding="utf-8"?>
 <p:sld xmlns:a="http://schemas.openxmlformats.org/drawingml/2006/main" xmlns:r="http://schemas.openxmlformats.org/officeDocument/2006/relationships" xmlns:p="http://schemas.openxmlformats.org/presentationml/2006/main">
   <p:cSld>
     <p:spTree>

--- a/Project PPT/Restaurant Finder & Diet Planner.pptx
+++ b/Project PPT/Restaurant Finder & Diet Planner.pptx
@@ -8856,7 +8856,7 @@
               <a:t>Venkata</a:t>
             </a:r>
             <a:r>
-              <a:rPr lang="en-US" sz="9600">
+              <a:rPr lang="en-US" sz="9600" dirty="0">
                 <a:solidFill>
                   <a:schemeClr val="tx1"/>
                 </a:solidFill>
@@ -8866,7 +8866,7 @@
               <a:t> </a:t>
             </a:r>
             <a:r>
-              <a:rPr lang="en-US" sz="9600" smtClean="0">
+              <a:rPr lang="en-US" sz="9600" dirty="0" smtClean="0">
                 <a:solidFill>
                   <a:schemeClr val="tx1"/>
                 </a:solidFill>
@@ -9346,7 +9346,14 @@
                 <a:latin typeface="Times New Roman" panose="02020603050405020304" pitchFamily="18" charset="0"/>
                 <a:cs typeface="Times New Roman" panose="02020603050405020304" pitchFamily="18" charset="0"/>
               </a:rPr>
-              <a:t>Libraries:</a:t>
+              <a:t>Database</a:t>
+            </a:r>
+            <a:r>
+              <a:rPr lang="en-US" sz="2000" dirty="0" smtClean="0">
+                <a:latin typeface="Times New Roman" panose="02020603050405020304" pitchFamily="18" charset="0"/>
+                <a:cs typeface="Times New Roman" panose="02020603050405020304" pitchFamily="18" charset="0"/>
+              </a:rPr>
+              <a:t>: SQLite</a:t>
             </a:r>
           </a:p>
           <a:p>
@@ -9359,34 +9366,26 @@
                 <a:latin typeface="Times New Roman" panose="02020603050405020304" pitchFamily="18" charset="0"/>
                 <a:cs typeface="Times New Roman" panose="02020603050405020304" pitchFamily="18" charset="0"/>
               </a:rPr>
-              <a:t>Database: SQLite</a:t>
-            </a:r>
-          </a:p>
-          <a:p>
-            <a:pPr>
-              <a:buFont typeface="Wingdings" panose="05000000000000000000" pitchFamily="2" charset="2"/>
-              <a:buChar char="Ø"/>
-            </a:pPr>
-            <a:r>
-              <a:rPr lang="en-US" sz="2000" dirty="0" smtClean="0">
+              <a:t>UML Diagram: </a:t>
+            </a:r>
+            <a:r>
+              <a:rPr lang="en-US" sz="2000" smtClean="0">
                 <a:latin typeface="Times New Roman" panose="02020603050405020304" pitchFamily="18" charset="0"/>
                 <a:cs typeface="Times New Roman" panose="02020603050405020304" pitchFamily="18" charset="0"/>
               </a:rPr>
-              <a:t>UML Diagram: Microsoft Visio</a:t>
-            </a:r>
-          </a:p>
-          <a:p>
-            <a:pPr>
-              <a:buFont typeface="Wingdings" panose="05000000000000000000" pitchFamily="2" charset="2"/>
-              <a:buChar char="Ø"/>
-            </a:pPr>
-            <a:r>
-              <a:rPr lang="en-US" sz="2000" dirty="0" smtClean="0">
+              <a:t>Microsoft </a:t>
+            </a:r>
+            <a:r>
+              <a:rPr lang="en-US" sz="2000" smtClean="0">
                 <a:latin typeface="Times New Roman" panose="02020603050405020304" pitchFamily="18" charset="0"/>
                 <a:cs typeface="Times New Roman" panose="02020603050405020304" pitchFamily="18" charset="0"/>
               </a:rPr>
-              <a:t>Project Management: </a:t>
-            </a:r>
+              <a:t>Vision</a:t>
+            </a:r>
+            <a:endParaRPr lang="en-US" sz="2000" dirty="0" smtClean="0">
+              <a:latin typeface="Times New Roman" panose="02020603050405020304" pitchFamily="18" charset="0"/>
+              <a:cs typeface="Times New Roman" panose="02020603050405020304" pitchFamily="18" charset="0"/>
+            </a:endParaRPr>
           </a:p>
         </p:txBody>
       </p:sp>
